--- a/CSharpProgramming/Presentations/ProgPartII/Enumerations.pptx
+++ b/CSharpProgramming/Presentations/ProgPartII/Enumerations.pptx
@@ -255,7 +255,7 @@
           <a:p>
             <a:fld id="{E15B7D8E-2A20-4C0E-991C-872DBB7459A8}" type="datetimeFigureOut">
               <a:rPr lang="da-DK" smtClean="0"/>
-              <a:t>08-10-2017</a:t>
+              <a:t>24-02-2018</a:t>
             </a:fld>
             <a:endParaRPr lang="da-DK"/>
           </a:p>
@@ -425,7 +425,7 @@
           <a:p>
             <a:fld id="{E15B7D8E-2A20-4C0E-991C-872DBB7459A8}" type="datetimeFigureOut">
               <a:rPr lang="da-DK" smtClean="0"/>
-              <a:t>08-10-2017</a:t>
+              <a:t>24-02-2018</a:t>
             </a:fld>
             <a:endParaRPr lang="da-DK"/>
           </a:p>
@@ -605,7 +605,7 @@
           <a:p>
             <a:fld id="{E15B7D8E-2A20-4C0E-991C-872DBB7459A8}" type="datetimeFigureOut">
               <a:rPr lang="da-DK" smtClean="0"/>
-              <a:t>08-10-2017</a:t>
+              <a:t>24-02-2018</a:t>
             </a:fld>
             <a:endParaRPr lang="da-DK"/>
           </a:p>
@@ -775,7 +775,7 @@
           <a:p>
             <a:fld id="{E15B7D8E-2A20-4C0E-991C-872DBB7459A8}" type="datetimeFigureOut">
               <a:rPr lang="da-DK" smtClean="0"/>
-              <a:t>08-10-2017</a:t>
+              <a:t>24-02-2018</a:t>
             </a:fld>
             <a:endParaRPr lang="da-DK"/>
           </a:p>
@@ -1021,7 +1021,7 @@
           <a:p>
             <a:fld id="{E15B7D8E-2A20-4C0E-991C-872DBB7459A8}" type="datetimeFigureOut">
               <a:rPr lang="da-DK" smtClean="0"/>
-              <a:t>08-10-2017</a:t>
+              <a:t>24-02-2018</a:t>
             </a:fld>
             <a:endParaRPr lang="da-DK"/>
           </a:p>
@@ -1253,7 +1253,7 @@
           <a:p>
             <a:fld id="{E15B7D8E-2A20-4C0E-991C-872DBB7459A8}" type="datetimeFigureOut">
               <a:rPr lang="da-DK" smtClean="0"/>
-              <a:t>08-10-2017</a:t>
+              <a:t>24-02-2018</a:t>
             </a:fld>
             <a:endParaRPr lang="da-DK"/>
           </a:p>
@@ -1620,7 +1620,7 @@
           <a:p>
             <a:fld id="{E15B7D8E-2A20-4C0E-991C-872DBB7459A8}" type="datetimeFigureOut">
               <a:rPr lang="da-DK" smtClean="0"/>
-              <a:t>08-10-2017</a:t>
+              <a:t>24-02-2018</a:t>
             </a:fld>
             <a:endParaRPr lang="da-DK"/>
           </a:p>
@@ -1738,7 +1738,7 @@
           <a:p>
             <a:fld id="{E15B7D8E-2A20-4C0E-991C-872DBB7459A8}" type="datetimeFigureOut">
               <a:rPr lang="da-DK" smtClean="0"/>
-              <a:t>08-10-2017</a:t>
+              <a:t>24-02-2018</a:t>
             </a:fld>
             <a:endParaRPr lang="da-DK"/>
           </a:p>
@@ -1833,7 +1833,7 @@
           <a:p>
             <a:fld id="{E15B7D8E-2A20-4C0E-991C-872DBB7459A8}" type="datetimeFigureOut">
               <a:rPr lang="da-DK" smtClean="0"/>
-              <a:t>08-10-2017</a:t>
+              <a:t>24-02-2018</a:t>
             </a:fld>
             <a:endParaRPr lang="da-DK"/>
           </a:p>
@@ -2110,7 +2110,7 @@
           <a:p>
             <a:fld id="{E15B7D8E-2A20-4C0E-991C-872DBB7459A8}" type="datetimeFigureOut">
               <a:rPr lang="da-DK" smtClean="0"/>
-              <a:t>08-10-2017</a:t>
+              <a:t>24-02-2018</a:t>
             </a:fld>
             <a:endParaRPr lang="da-DK"/>
           </a:p>
@@ -2363,7 +2363,7 @@
           <a:p>
             <a:fld id="{E15B7D8E-2A20-4C0E-991C-872DBB7459A8}" type="datetimeFigureOut">
               <a:rPr lang="da-DK" smtClean="0"/>
-              <a:t>08-10-2017</a:t>
+              <a:t>24-02-2018</a:t>
             </a:fld>
             <a:endParaRPr lang="da-DK"/>
           </a:p>
@@ -2576,7 +2576,7 @@
           <a:p>
             <a:fld id="{E15B7D8E-2A20-4C0E-991C-872DBB7459A8}" type="datetimeFigureOut">
               <a:rPr lang="da-DK" smtClean="0"/>
-              <a:t>08-10-2017</a:t>
+              <a:t>24-02-2018</a:t>
             </a:fld>
             <a:endParaRPr lang="da-DK"/>
           </a:p>
@@ -2993,7 +2993,7 @@
         </p:nvSpPr>
         <p:spPr>
           <a:xfrm>
-            <a:off x="1524000" y="1122362"/>
+            <a:off x="1524000" y="1188538"/>
             <a:ext cx="9144000" cy="2047959"/>
           </a:xfrm>
         </p:spPr>
@@ -4683,13 +4683,13 @@
   <p:clrMapOvr>
     <a:masterClrMapping/>
   </p:clrMapOvr>
-  <mc:AlternateContent xmlns:mc="http://schemas.openxmlformats.org/markup-compatibility/2006">
-    <mc:Choice xmlns:p14="http://schemas.microsoft.com/office/powerpoint/2010/main" Requires="p14">
+  <mc:AlternateContent xmlns:mc="http://schemas.openxmlformats.org/markup-compatibility/2006" xmlns:p14="http://schemas.microsoft.com/office/powerpoint/2010/main">
+    <mc:Choice Requires="p14">
       <p:transition spd="med" p14:dur="700">
         <p:fade/>
       </p:transition>
     </mc:Choice>
-    <mc:Fallback>
+    <mc:Fallback xmlns="">
       <p:transition spd="med">
         <p:fade/>
       </p:transition>
@@ -5209,13 +5209,13 @@
   <p:clrMapOvr>
     <a:masterClrMapping/>
   </p:clrMapOvr>
-  <mc:AlternateContent xmlns:mc="http://schemas.openxmlformats.org/markup-compatibility/2006">
-    <mc:Choice xmlns:p14="http://schemas.microsoft.com/office/powerpoint/2010/main" Requires="p14">
+  <mc:AlternateContent xmlns:mc="http://schemas.openxmlformats.org/markup-compatibility/2006" xmlns:p14="http://schemas.microsoft.com/office/powerpoint/2010/main">
+    <mc:Choice Requires="p14">
       <p:transition spd="med" p14:dur="700">
         <p:fade/>
       </p:transition>
     </mc:Choice>
-    <mc:Fallback>
+    <mc:Fallback xmlns="">
       <p:transition spd="med">
         <p:fade/>
       </p:transition>
@@ -5786,13 +5786,13 @@
   <p:clrMapOvr>
     <a:masterClrMapping/>
   </p:clrMapOvr>
-  <mc:AlternateContent xmlns:mc="http://schemas.openxmlformats.org/markup-compatibility/2006">
-    <mc:Choice xmlns:p14="http://schemas.microsoft.com/office/powerpoint/2010/main" Requires="p14">
+  <mc:AlternateContent xmlns:mc="http://schemas.openxmlformats.org/markup-compatibility/2006" xmlns:p14="http://schemas.microsoft.com/office/powerpoint/2010/main">
+    <mc:Choice Requires="p14">
       <p:transition spd="med" p14:dur="700">
         <p:fade/>
       </p:transition>
     </mc:Choice>
-    <mc:Fallback>
+    <mc:Fallback xmlns="">
       <p:transition spd="med">
         <p:fade/>
       </p:transition>
@@ -8361,13 +8361,13 @@
   <p:clrMapOvr>
     <a:masterClrMapping/>
   </p:clrMapOvr>
-  <mc:AlternateContent xmlns:mc="http://schemas.openxmlformats.org/markup-compatibility/2006">
-    <mc:Choice xmlns:p14="http://schemas.microsoft.com/office/powerpoint/2010/main" Requires="p14">
+  <mc:AlternateContent xmlns:mc="http://schemas.openxmlformats.org/markup-compatibility/2006" xmlns:p14="http://schemas.microsoft.com/office/powerpoint/2010/main">
+    <mc:Choice Requires="p14">
       <p:transition spd="med" p14:dur="700">
         <p:fade/>
       </p:transition>
     </mc:Choice>
-    <mc:Fallback>
+    <mc:Fallback xmlns="">
       <p:transition spd="med">
         <p:fade/>
       </p:transition>
@@ -8635,13 +8635,13 @@
   <p:clrMapOvr>
     <a:masterClrMapping/>
   </p:clrMapOvr>
-  <mc:AlternateContent xmlns:mc="http://schemas.openxmlformats.org/markup-compatibility/2006">
-    <mc:Choice xmlns:p14="http://schemas.microsoft.com/office/powerpoint/2010/main" Requires="p14">
+  <mc:AlternateContent xmlns:mc="http://schemas.openxmlformats.org/markup-compatibility/2006" xmlns:p14="http://schemas.microsoft.com/office/powerpoint/2010/main">
+    <mc:Choice Requires="p14">
       <p:transition spd="med" p14:dur="700">
         <p:fade/>
       </p:transition>
     </mc:Choice>
-    <mc:Fallback>
+    <mc:Fallback xmlns="">
       <p:transition spd="med">
         <p:fade/>
       </p:transition>
@@ -9229,13 +9229,13 @@
   <p:clrMapOvr>
     <a:masterClrMapping/>
   </p:clrMapOvr>
-  <mc:AlternateContent xmlns:mc="http://schemas.openxmlformats.org/markup-compatibility/2006">
-    <mc:Choice xmlns:p14="http://schemas.microsoft.com/office/powerpoint/2010/main" Requires="p14">
+  <mc:AlternateContent xmlns:mc="http://schemas.openxmlformats.org/markup-compatibility/2006" xmlns:p14="http://schemas.microsoft.com/office/powerpoint/2010/main">
+    <mc:Choice Requires="p14">
       <p:transition spd="med" p14:dur="700">
         <p:fade/>
       </p:transition>
     </mc:Choice>
-    <mc:Fallback>
+    <mc:Fallback xmlns="">
       <p:transition spd="med">
         <p:fade/>
       </p:transition>
